--- a/Big Data Stream Mining.pptx
+++ b/Big Data Stream Mining.pptx
@@ -5,7 +5,7 @@
     <p:sldMasterId id="2147483648" r:id="rId1"/>
   </p:sldMasterIdLst>
   <p:notesMasterIdLst>
-    <p:notesMasterId r:id="rId39"/>
+    <p:notesMasterId r:id="rId32"/>
   </p:notesMasterIdLst>
   <p:sldIdLst>
     <p:sldId id="256" r:id="rId2"/>
@@ -29,22 +29,15 @@
     <p:sldId id="301" r:id="rId20"/>
     <p:sldId id="302" r:id="rId21"/>
     <p:sldId id="303" r:id="rId22"/>
-    <p:sldId id="304" r:id="rId23"/>
-    <p:sldId id="305" r:id="rId24"/>
-    <p:sldId id="310" r:id="rId25"/>
-    <p:sldId id="311" r:id="rId26"/>
-    <p:sldId id="312" r:id="rId27"/>
-    <p:sldId id="313" r:id="rId28"/>
-    <p:sldId id="314" r:id="rId29"/>
-    <p:sldId id="315" r:id="rId30"/>
-    <p:sldId id="307" r:id="rId31"/>
-    <p:sldId id="308" r:id="rId32"/>
-    <p:sldId id="320" r:id="rId33"/>
-    <p:sldId id="316" r:id="rId34"/>
-    <p:sldId id="318" r:id="rId35"/>
-    <p:sldId id="319" r:id="rId36"/>
-    <p:sldId id="259" r:id="rId37"/>
-    <p:sldId id="260" r:id="rId38"/>
+    <p:sldId id="305" r:id="rId23"/>
+    <p:sldId id="310" r:id="rId24"/>
+    <p:sldId id="311" r:id="rId25"/>
+    <p:sldId id="312" r:id="rId26"/>
+    <p:sldId id="313" r:id="rId27"/>
+    <p:sldId id="314" r:id="rId28"/>
+    <p:sldId id="315" r:id="rId29"/>
+    <p:sldId id="259" r:id="rId30"/>
+    <p:sldId id="260" r:id="rId31"/>
   </p:sldIdLst>
   <p:sldSz cx="12192000" cy="6858000"/>
   <p:notesSz cx="6858000" cy="9144000"/>
@@ -233,7 +226,7 @@
           <a:p>
             <a:fld id="{A1ACF5CE-144F-4D16-A3AC-B8C1CFAC7458}" type="datetimeFigureOut">
               <a:rPr lang="en-US" smtClean="0"/>
-              <a:t>3/22/2017</a:t>
+              <a:t>3/26/2017</a:t>
             </a:fld>
             <a:endParaRPr lang="en-US"/>
           </a:p>
@@ -328,7 +321,6 @@
               <a:rPr lang="en-US"/>
               <a:t>Fifth level</a:t>
             </a:r>
-            <a:endParaRPr lang="en-US"/>
           </a:p>
         </p:txBody>
       </p:sp>
@@ -538,7 +530,7 @@
             <a:fld id="{E635C930-1B90-4025-BA8C-56D6D25A3965}" type="slidenum">
               <a:rPr lang="en-US" altLang="en-US"/>
               <a:pPr/>
-              <a:t>24</a:t>
+              <a:t>23</a:t>
             </a:fld>
             <a:endParaRPr lang="en-US" altLang="en-US"/>
           </a:p>
@@ -548,7 +540,7 @@
         <p:nvSpPr>
           <p:cNvPr id="36866" name="Rectangle 2"/>
           <p:cNvSpPr>
-            <a:spLocks noRot="1" noChangeArrowheads="1" noTextEdit="1"/>
+            <a:spLocks noGrp="1" noRot="1" noChangeAspect="1" noChangeArrowheads="1" noTextEdit="1"/>
           </p:cNvSpPr>
           <p:nvPr>
             <p:ph type="sldImg"/>
@@ -627,7 +619,7 @@
             <a:fld id="{7181EDBD-7135-4557-B56C-0FA5111AE772}" type="slidenum">
               <a:rPr lang="en-US" altLang="en-US"/>
               <a:pPr/>
-              <a:t>25</a:t>
+              <a:t>24</a:t>
             </a:fld>
             <a:endParaRPr lang="en-US" altLang="en-US"/>
           </a:p>
@@ -637,7 +629,7 @@
         <p:nvSpPr>
           <p:cNvPr id="41986" name="Rectangle 2"/>
           <p:cNvSpPr>
-            <a:spLocks noRot="1" noChangeArrowheads="1" noTextEdit="1"/>
+            <a:spLocks noGrp="1" noRot="1" noChangeAspect="1" noChangeArrowheads="1" noTextEdit="1"/>
           </p:cNvSpPr>
           <p:nvPr>
             <p:ph type="sldImg"/>
@@ -716,7 +708,7 @@
             <a:fld id="{D4B1D8DD-16BC-4BF9-B2CF-7AB8DBF961B0}" type="slidenum">
               <a:rPr lang="en-US" altLang="en-US"/>
               <a:pPr/>
-              <a:t>26</a:t>
+              <a:t>25</a:t>
             </a:fld>
             <a:endParaRPr lang="en-US" altLang="en-US"/>
           </a:p>
@@ -726,7 +718,7 @@
         <p:nvSpPr>
           <p:cNvPr id="46082" name="Rectangle 2"/>
           <p:cNvSpPr>
-            <a:spLocks noRot="1" noChangeArrowheads="1" noTextEdit="1"/>
+            <a:spLocks noGrp="1" noRot="1" noChangeAspect="1" noChangeArrowheads="1" noTextEdit="1"/>
           </p:cNvSpPr>
           <p:nvPr>
             <p:ph type="sldImg"/>
@@ -1491,7 +1483,7 @@
             <a:fld id="{B61BEF0D-F0BB-DE4B-95CE-6DB70DBA9567}" type="datetimeFigureOut">
               <a:rPr lang="en-US" dirty="0"/>
               <a:pPr/>
-              <a:t>3/21/2017</a:t>
+              <a:t>3/26/2017</a:t>
             </a:fld>
             <a:endParaRPr lang="en-US" dirty="0"/>
           </a:p>
@@ -1739,7 +1731,7 @@
             <a:fld id="{B61BEF0D-F0BB-DE4B-95CE-6DB70DBA9567}" type="datetimeFigureOut">
               <a:rPr lang="en-US" dirty="0"/>
               <a:pPr/>
-              <a:t>3/21/2017</a:t>
+              <a:t>3/26/2017</a:t>
             </a:fld>
             <a:endParaRPr lang="en-US" dirty="0"/>
           </a:p>
@@ -2050,7 +2042,7 @@
             <a:fld id="{B61BEF0D-F0BB-DE4B-95CE-6DB70DBA9567}" type="datetimeFigureOut">
               <a:rPr lang="en-US" dirty="0"/>
               <a:pPr/>
-              <a:t>3/21/2017</a:t>
+              <a:t>3/26/2017</a:t>
             </a:fld>
             <a:endParaRPr lang="en-US" dirty="0"/>
           </a:p>
@@ -2388,7 +2380,7 @@
             <a:fld id="{B61BEF0D-F0BB-DE4B-95CE-6DB70DBA9567}" type="datetimeFigureOut">
               <a:rPr lang="en-US" dirty="0"/>
               <a:pPr/>
-              <a:t>3/21/2017</a:t>
+              <a:t>3/26/2017</a:t>
             </a:fld>
             <a:endParaRPr lang="en-US" dirty="0"/>
           </a:p>
@@ -2699,7 +2691,7 @@
             <a:fld id="{B61BEF0D-F0BB-DE4B-95CE-6DB70DBA9567}" type="datetimeFigureOut">
               <a:rPr lang="en-US" dirty="0"/>
               <a:pPr/>
-              <a:t>3/21/2017</a:t>
+              <a:t>3/26/2017</a:t>
             </a:fld>
             <a:endParaRPr lang="en-US" dirty="0"/>
           </a:p>
@@ -3089,7 +3081,7 @@
             <a:fld id="{B61BEF0D-F0BB-DE4B-95CE-6DB70DBA9567}" type="datetimeFigureOut">
               <a:rPr lang="en-US" dirty="0"/>
               <a:pPr/>
-              <a:t>3/21/2017</a:t>
+              <a:t>3/26/2017</a:t>
             </a:fld>
             <a:endParaRPr lang="en-US" dirty="0"/>
           </a:p>
@@ -3255,7 +3247,7 @@
           <a:p>
             <a:fld id="{55C6B4A9-1611-4792-9094-5F34BCA07E0B}" type="datetimeFigureOut">
               <a:rPr lang="en-US" dirty="0"/>
-              <a:t>3/21/2017</a:t>
+              <a:t>3/26/2017</a:t>
             </a:fld>
             <a:endParaRPr lang="en-US" dirty="0"/>
           </a:p>
@@ -3431,7 +3423,7 @@
             <a:fld id="{B61BEF0D-F0BB-DE4B-95CE-6DB70DBA9567}" type="datetimeFigureOut">
               <a:rPr lang="en-US" dirty="0"/>
               <a:pPr/>
-              <a:t>3/21/2017</a:t>
+              <a:t>3/26/2017</a:t>
             </a:fld>
             <a:endParaRPr lang="en-US" dirty="0"/>
           </a:p>
@@ -3604,7 +3596,7 @@
             <a:fld id="{B61BEF0D-F0BB-DE4B-95CE-6DB70DBA9567}" type="datetimeFigureOut">
               <a:rPr lang="en-US" dirty="0"/>
               <a:pPr/>
-              <a:t>3/21/2017</a:t>
+              <a:t>3/26/2017</a:t>
             </a:fld>
             <a:endParaRPr lang="en-US" dirty="0"/>
           </a:p>
@@ -3848,7 +3840,7 @@
             <a:fld id="{B61BEF0D-F0BB-DE4B-95CE-6DB70DBA9567}" type="datetimeFigureOut">
               <a:rPr lang="en-US" dirty="0"/>
               <a:pPr/>
-              <a:t>3/21/2017</a:t>
+              <a:t>3/26/2017</a:t>
             </a:fld>
             <a:endParaRPr lang="en-US" dirty="0"/>
           </a:p>
@@ -4076,7 +4068,7 @@
           <a:p>
             <a:fld id="{EB712588-04B1-427B-82EE-E8DB90309F08}" type="datetimeFigureOut">
               <a:rPr lang="en-US" dirty="0"/>
-              <a:t>3/21/2017</a:t>
+              <a:t>3/26/2017</a:t>
             </a:fld>
             <a:endParaRPr lang="en-US" dirty="0"/>
           </a:p>
@@ -4446,7 +4438,7 @@
             <a:fld id="{B61BEF0D-F0BB-DE4B-95CE-6DB70DBA9567}" type="datetimeFigureOut">
               <a:rPr lang="en-US" dirty="0"/>
               <a:pPr/>
-              <a:t>3/21/2017</a:t>
+              <a:t>3/26/2017</a:t>
             </a:fld>
             <a:endParaRPr lang="en-US" dirty="0"/>
           </a:p>
@@ -4566,7 +4558,7 @@
             <a:fld id="{B61BEF0D-F0BB-DE4B-95CE-6DB70DBA9567}" type="datetimeFigureOut">
               <a:rPr lang="en-US" dirty="0"/>
               <a:pPr/>
-              <a:t>3/21/2017</a:t>
+              <a:t>3/26/2017</a:t>
             </a:fld>
             <a:endParaRPr lang="en-US" dirty="0"/>
           </a:p>
@@ -4658,7 +4650,7 @@
             <a:fld id="{B61BEF0D-F0BB-DE4B-95CE-6DB70DBA9567}" type="datetimeFigureOut">
               <a:rPr lang="en-US" dirty="0"/>
               <a:pPr/>
-              <a:t>3/21/2017</a:t>
+              <a:t>3/26/2017</a:t>
             </a:fld>
             <a:endParaRPr lang="en-US" dirty="0"/>
           </a:p>
@@ -4909,7 +4901,7 @@
           <a:p>
             <a:fld id="{42A54C80-263E-416B-A8E0-580EDEADCBDC}" type="datetimeFigureOut">
               <a:rPr lang="en-US" dirty="0"/>
-              <a:t>3/21/2017</a:t>
+              <a:t>3/26/2017</a:t>
             </a:fld>
             <a:endParaRPr lang="en-US" dirty="0"/>
           </a:p>
@@ -5168,7 +5160,7 @@
             <a:fld id="{B61BEF0D-F0BB-DE4B-95CE-6DB70DBA9567}" type="datetimeFigureOut">
               <a:rPr lang="en-US" dirty="0"/>
               <a:pPr/>
-              <a:t>3/21/2017</a:t>
+              <a:t>3/26/2017</a:t>
             </a:fld>
             <a:endParaRPr lang="en-US" dirty="0"/>
           </a:p>
@@ -5908,7 +5900,7 @@
             <a:fld id="{B61BEF0D-F0BB-DE4B-95CE-6DB70DBA9567}" type="datetimeFigureOut">
               <a:rPr lang="en-US" dirty="0"/>
               <a:pPr/>
-              <a:t>3/21/2017</a:t>
+              <a:t>3/26/2017</a:t>
             </a:fld>
             <a:endParaRPr lang="en-US" dirty="0"/>
           </a:p>
@@ -12383,15 +12375,7 @@
             </a:r>
             <a:r>
               <a:rPr lang="en-US" dirty="0"/>
-              <a:t>⟩, output at </a:t>
-            </a:r>
-            <a:r>
-              <a:rPr lang="en-US" dirty="0" err="1"/>
-              <a:t>instant</a:t>
-            </a:r>
-            <a:r>
-              <a:rPr lang="en-US" i="1" dirty="0" err="1"/>
-              <a:t>t</a:t>
+              <a:t>⟩, output at instant t</a:t>
             </a:r>
             <a:r>
               <a:rPr lang="en-US" i="1" dirty="0"/>
@@ -12831,7 +12815,6 @@
               <a:rPr lang="en-US" dirty="0"/>
               <a:t>: Adapting to Change</a:t>
             </a:r>
-            <a:endParaRPr lang="en-US" dirty="0"/>
           </a:p>
         </p:txBody>
       </p:sp>
@@ -12895,7 +12878,6 @@
               <a:rPr lang="en-US" dirty="0"/>
               <a:t>No need for window of instances</a:t>
             </a:r>
-            <a:endParaRPr lang="en-US" dirty="0"/>
           </a:p>
         </p:txBody>
       </p:sp>
@@ -12974,7 +12956,7 @@
           <a:p>
             <a:r>
               <a:rPr lang="en-US" sz="2000" dirty="0"/>
-              <a:t>Sources</a:t>
+              <a:t>Sources of data streams</a:t>
             </a:r>
           </a:p>
           <a:p>
@@ -12986,13 +12968,8 @@
           <a:p>
             <a:r>
               <a:rPr lang="en-US" sz="2000" dirty="0"/>
-              <a:t>Distributed </a:t>
-            </a:r>
-            <a:r>
-              <a:rPr lang="en-US" sz="2000" dirty="0"/>
-              <a:t>Streams – Classification, Regression and Clustering </a:t>
-            </a:r>
-            <a:endParaRPr lang="en-US" sz="2000" dirty="0"/>
+              <a:t>Distributed Streams – Classification, Regression and Clustering </a:t>
+            </a:r>
           </a:p>
           <a:p>
             <a:r>
@@ -13170,7 +13147,6 @@
               <a:rPr lang="en-US" dirty="0"/>
               <a:t>Do it using Perceptron and using the concept of Stochastic Gradient Descent</a:t>
             </a:r>
-            <a:endParaRPr lang="en-US" dirty="0"/>
           </a:p>
         </p:txBody>
       </p:sp>
@@ -13400,122 +13376,6 @@
         <p:spPr>
           <a:xfrm>
             <a:off x="677334" y="609600"/>
-            <a:ext cx="8596668" cy="644165"/>
-          </a:xfrm>
-        </p:spPr>
-        <p:txBody>
-          <a:bodyPr/>
-          <a:lstStyle/>
-          <a:p>
-            <a:r>
-              <a:rPr lang="en-US" dirty="0"/>
-              <a:t>Regression Trees</a:t>
-            </a:r>
-          </a:p>
-        </p:txBody>
-      </p:sp>
-      <p:sp>
-        <p:nvSpPr>
-          <p:cNvPr id="3" name="Content Placeholder 2"/>
-          <p:cNvSpPr>
-            <a:spLocks noGrp="1"/>
-          </p:cNvSpPr>
-          <p:nvPr>
-            <p:ph idx="1"/>
-          </p:nvPr>
-        </p:nvSpPr>
-        <p:spPr>
-          <a:xfrm>
-            <a:off x="0" y="1508289"/>
-            <a:ext cx="12192000" cy="5349711"/>
-          </a:xfrm>
-        </p:spPr>
-        <p:txBody>
-          <a:bodyPr/>
-          <a:lstStyle/>
-          <a:p>
-            <a:r>
-              <a:rPr lang="en-US" dirty="0"/>
-              <a:t>Decision trees where the target variable can take continuous values are called </a:t>
-            </a:r>
-          </a:p>
-          <a:p>
-            <a:pPr marL="0" indent="0">
-              <a:buNone/>
-            </a:pPr>
-            <a:r>
-              <a:rPr lang="en-US" b="1" dirty="0"/>
-              <a:t>     regression trees</a:t>
-            </a:r>
-            <a:r>
-              <a:rPr lang="en-US" dirty="0"/>
-              <a:t>.</a:t>
-            </a:r>
-          </a:p>
-          <a:p>
-            <a:r>
-              <a:rPr lang="en-US" dirty="0"/>
-              <a:t>Same structure as decision tree</a:t>
-            </a:r>
-          </a:p>
-          <a:p>
-            <a:r>
-              <a:rPr lang="en-US" dirty="0"/>
-              <a:t>Predict = average target value</a:t>
-            </a:r>
-          </a:p>
-          <a:p>
-            <a:r>
-              <a:rPr lang="en-US" dirty="0"/>
-              <a:t>Gain = reduction in standard deviation</a:t>
-            </a:r>
-            <a:endParaRPr lang="en-US" dirty="0"/>
-          </a:p>
-        </p:txBody>
-      </p:sp>
-    </p:spTree>
-    <p:extLst>
-      <p:ext uri="{BB962C8B-B14F-4D97-AF65-F5344CB8AC3E}">
-        <p14:creationId xmlns:p14="http://schemas.microsoft.com/office/powerpoint/2010/main" val="3185446780"/>
-      </p:ext>
-    </p:extLst>
-  </p:cSld>
-  <p:clrMapOvr>
-    <a:masterClrMapping/>
-  </p:clrMapOvr>
-</p:sld>
-</file>
-
-<file path=ppt/slides/slide23.xml><?xml version="1.0" encoding="utf-8"?>
-<p:sld xmlns:a="http://schemas.openxmlformats.org/drawingml/2006/main" xmlns:r="http://schemas.openxmlformats.org/officeDocument/2006/relationships" xmlns:p="http://schemas.openxmlformats.org/presentationml/2006/main">
-  <p:cSld>
-    <p:spTree>
-      <p:nvGrpSpPr>
-        <p:cNvPr id="1" name=""/>
-        <p:cNvGrpSpPr/>
-        <p:nvPr/>
-      </p:nvGrpSpPr>
-      <p:grpSpPr>
-        <a:xfrm>
-          <a:off x="0" y="0"/>
-          <a:ext cx="0" cy="0"/>
-          <a:chOff x="0" y="0"/>
-          <a:chExt cx="0" cy="0"/>
-        </a:xfrm>
-      </p:grpSpPr>
-      <p:sp>
-        <p:nvSpPr>
-          <p:cNvPr id="2" name="Title 1"/>
-          <p:cNvSpPr>
-            <a:spLocks noGrp="1"/>
-          </p:cNvSpPr>
-          <p:nvPr>
-            <p:ph type="title"/>
-          </p:nvPr>
-        </p:nvSpPr>
-        <p:spPr>
-          <a:xfrm>
-            <a:off x="677334" y="609600"/>
             <a:ext cx="8596668" cy="625311"/>
           </a:xfrm>
         </p:spPr>
@@ -13574,7 +13434,6 @@
               <a:rPr lang="en-US" dirty="0"/>
               <a:t>     </a:t>
             </a:r>
-            <a:endParaRPr lang="en-US" dirty="0"/>
           </a:p>
         </p:txBody>
       </p:sp>
@@ -13591,7 +13450,7 @@
 </p:sld>
 </file>
 
-<file path=ppt/slides/slide24.xml><?xml version="1.0" encoding="utf-8"?>
+<file path=ppt/slides/slide23.xml><?xml version="1.0" encoding="utf-8"?>
 <p:sld xmlns:a="http://schemas.openxmlformats.org/drawingml/2006/main" xmlns:r="http://schemas.openxmlformats.org/officeDocument/2006/relationships" xmlns:p="http://schemas.openxmlformats.org/presentationml/2006/main">
   <p:cSld>
     <p:spTree>
@@ -18776,7 +18635,7 @@
 </p:sld>
 </file>
 
-<file path=ppt/slides/slide25.xml><?xml version="1.0" encoding="utf-8"?>
+<file path=ppt/slides/slide24.xml><?xml version="1.0" encoding="utf-8"?>
 <p:sld xmlns:a="http://schemas.openxmlformats.org/drawingml/2006/main" xmlns:r="http://schemas.openxmlformats.org/officeDocument/2006/relationships" xmlns:p="http://schemas.openxmlformats.org/presentationml/2006/main">
   <p:cSld>
     <p:spTree>
@@ -18809,7 +18668,7 @@
           <a:lstStyle/>
           <a:p>
             <a:r>
-              <a:rPr lang="en-US" altLang="zh-CN">
+              <a:rPr lang="en-US" altLang="zh-CN" dirty="0">
                 <a:ea typeface="SimSun" panose="02010600030101010101" pitchFamily="2" charset="-122"/>
               </a:rPr>
               <a:t>Micro Cluster Creation </a:t>
@@ -18833,7 +18692,7 @@
           <a:lstStyle/>
           <a:p>
             <a:r>
-              <a:rPr lang="en-US" altLang="zh-CN">
+              <a:rPr lang="en-US" altLang="zh-CN" dirty="0">
                 <a:ea typeface="SimSun" panose="02010600030101010101" pitchFamily="2" charset="-122"/>
               </a:rPr>
               <a:t>It is assumed that a total of q micro-clusters are maintained at any moment by the algorithm.</a:t>
@@ -18841,19 +18700,19 @@
           </a:p>
           <a:p>
             <a:r>
-              <a:rPr lang="en-US" altLang="zh-CN">
+              <a:rPr lang="en-US" altLang="zh-CN" dirty="0">
                 <a:ea typeface="SimSun" panose="02010600030101010101" pitchFamily="2" charset="-122"/>
               </a:rPr>
               <a:t>This is done using an offline process (k-means) at the very beginning of the data stream computation process.</a:t>
             </a:r>
           </a:p>
           <a:p>
-            <a:endParaRPr lang="en-US" altLang="zh-CN">
+            <a:endParaRPr lang="en-US" altLang="zh-CN" dirty="0">
               <a:ea typeface="SimSun" panose="02010600030101010101" pitchFamily="2" charset="-122"/>
             </a:endParaRPr>
           </a:p>
           <a:p>
-            <a:endParaRPr lang="zh-CN" altLang="en-US">
+            <a:endParaRPr lang="zh-CN" altLang="en-US" dirty="0">
               <a:ea typeface="SimSun" panose="02010600030101010101" pitchFamily="2" charset="-122"/>
             </a:endParaRPr>
           </a:p>
@@ -18872,7 +18731,7 @@
 </p:sld>
 </file>
 
-<file path=ppt/slides/slide26.xml><?xml version="1.0" encoding="utf-8"?>
+<file path=ppt/slides/slide25.xml><?xml version="1.0" encoding="utf-8"?>
 <p:sld xmlns:a="http://schemas.openxmlformats.org/drawingml/2006/main" xmlns:r="http://schemas.openxmlformats.org/officeDocument/2006/relationships" xmlns:p="http://schemas.openxmlformats.org/presentationml/2006/main">
   <p:cSld>
     <p:spTree>
@@ -21518,7 +21377,7 @@
 </p:sld>
 </file>
 
-<file path=ppt/slides/slide27.xml><?xml version="1.0" encoding="utf-8"?>
+<file path=ppt/slides/slide26.xml><?xml version="1.0" encoding="utf-8"?>
 <p:sld xmlns:a="http://schemas.openxmlformats.org/drawingml/2006/main" xmlns:r="http://schemas.openxmlformats.org/officeDocument/2006/relationships" xmlns:p="http://schemas.openxmlformats.org/presentationml/2006/main">
   <p:cSld>
     <p:spTree>
@@ -21724,7 +21583,7 @@
 </p:sld>
 </file>
 
-<file path=ppt/slides/slide28.xml><?xml version="1.0" encoding="utf-8"?>
+<file path=ppt/slides/slide27.xml><?xml version="1.0" encoding="utf-8"?>
 <p:sld xmlns:a="http://schemas.openxmlformats.org/drawingml/2006/main" xmlns:r="http://schemas.openxmlformats.org/officeDocument/2006/relationships" xmlns:p="http://schemas.openxmlformats.org/presentationml/2006/main">
   <p:cSld>
     <p:spTree>
@@ -25736,7 +25595,7 @@
 </p:sld>
 </file>
 
-<file path=ppt/slides/slide29.xml><?xml version="1.0" encoding="utf-8"?>
+<file path=ppt/slides/slide28.xml><?xml version="1.0" encoding="utf-8"?>
 <p:sld xmlns:a="http://schemas.openxmlformats.org/drawingml/2006/main" xmlns:r="http://schemas.openxmlformats.org/officeDocument/2006/relationships" xmlns:p="http://schemas.openxmlformats.org/presentationml/2006/main">
   <p:cSld>
     <p:spTree>
@@ -25931,1102 +25790,7 @@
 </p:sld>
 </file>
 
-<file path=ppt/slides/slide3.xml><?xml version="1.0" encoding="utf-8"?>
-<p:sld xmlns:a="http://schemas.openxmlformats.org/drawingml/2006/main" xmlns:r="http://schemas.openxmlformats.org/officeDocument/2006/relationships" xmlns:p="http://schemas.openxmlformats.org/presentationml/2006/main">
-  <p:cSld>
-    <p:spTree>
-      <p:nvGrpSpPr>
-        <p:cNvPr id="1" name=""/>
-        <p:cNvGrpSpPr/>
-        <p:nvPr/>
-      </p:nvGrpSpPr>
-      <p:grpSpPr>
-        <a:xfrm>
-          <a:off x="0" y="0"/>
-          <a:ext cx="0" cy="0"/>
-          <a:chOff x="0" y="0"/>
-          <a:chExt cx="0" cy="0"/>
-        </a:xfrm>
-      </p:grpSpPr>
-      <p:sp>
-        <p:nvSpPr>
-          <p:cNvPr id="2" name="Title 1"/>
-          <p:cNvSpPr>
-            <a:spLocks noGrp="1"/>
-          </p:cNvSpPr>
-          <p:nvPr>
-            <p:ph type="title"/>
-          </p:nvPr>
-        </p:nvSpPr>
-        <p:spPr/>
-        <p:txBody>
-          <a:bodyPr/>
-          <a:lstStyle/>
-          <a:p>
-            <a:r>
-              <a:rPr lang="en-US" dirty="0"/>
-              <a:t>Introduction</a:t>
-            </a:r>
-          </a:p>
-        </p:txBody>
-      </p:sp>
-      <p:sp>
-        <p:nvSpPr>
-          <p:cNvPr id="3" name="Content Placeholder 2"/>
-          <p:cNvSpPr>
-            <a:spLocks noGrp="1"/>
-          </p:cNvSpPr>
-          <p:nvPr>
-            <p:ph idx="1"/>
-          </p:nvPr>
-        </p:nvSpPr>
-        <p:spPr>
-          <a:xfrm>
-            <a:off x="367645" y="1432874"/>
-            <a:ext cx="9973559" cy="5462833"/>
-          </a:xfrm>
-        </p:spPr>
-        <p:txBody>
-          <a:bodyPr>
-            <a:normAutofit/>
-          </a:bodyPr>
-          <a:lstStyle/>
-          <a:p>
-            <a:r>
-              <a:rPr lang="en-US" sz="2000" dirty="0"/>
-              <a:t>Stream mining is online analytics, deals with what is happening now</a:t>
-            </a:r>
-          </a:p>
-          <a:p>
-            <a:endParaRPr lang="en-US" sz="2000" dirty="0"/>
-          </a:p>
-          <a:p>
-            <a:r>
-              <a:rPr lang="en-US" sz="2000" dirty="0"/>
-              <a:t>Stream mining includes all we need to do with data mining: </a:t>
-            </a:r>
-            <a:r>
-              <a:rPr lang="en-US" dirty="0"/>
-              <a:t>Classification, Regression, Clustering with algorithms and techniques specially designed for mining the streams</a:t>
-            </a:r>
-          </a:p>
-          <a:p>
-            <a:endParaRPr lang="en-US" dirty="0"/>
-          </a:p>
-          <a:p>
-            <a:r>
-              <a:rPr lang="en-US" dirty="0"/>
-              <a:t>Maintain models online</a:t>
-            </a:r>
-          </a:p>
-          <a:p>
-            <a:pPr marL="0" indent="0">
-              <a:buNone/>
-            </a:pPr>
-            <a:r>
-              <a:rPr lang="en-US" dirty="0"/>
-              <a:t>     • Incorporate data on the fly</a:t>
-            </a:r>
-          </a:p>
-          <a:p>
-            <a:pPr marL="0" indent="0">
-              <a:buNone/>
-            </a:pPr>
-            <a:r>
-              <a:rPr lang="en-US" dirty="0"/>
-              <a:t>     • Unbounded training sets</a:t>
-            </a:r>
-          </a:p>
-          <a:p>
-            <a:pPr marL="0" indent="0">
-              <a:buNone/>
-            </a:pPr>
-            <a:r>
-              <a:rPr lang="en-US" dirty="0"/>
-              <a:t>     • Detect changes and adapts</a:t>
-            </a:r>
-          </a:p>
-          <a:p>
-            <a:pPr marL="0" indent="0">
-              <a:buNone/>
-            </a:pPr>
-            <a:r>
-              <a:rPr lang="en-US" dirty="0"/>
-              <a:t>     • Dynamic models</a:t>
-            </a:r>
-          </a:p>
-          <a:p>
-            <a:endParaRPr lang="en-US" sz="2000" dirty="0"/>
-          </a:p>
-          <a:p>
-            <a:endParaRPr lang="en-US" sz="2000" dirty="0"/>
-          </a:p>
-          <a:p>
-            <a:pPr marL="0" indent="0">
-              <a:buNone/>
-            </a:pPr>
-            <a:endParaRPr lang="en-US" sz="2000" dirty="0"/>
-          </a:p>
-        </p:txBody>
-      </p:sp>
-    </p:spTree>
-    <p:extLst>
-      <p:ext uri="{BB962C8B-B14F-4D97-AF65-F5344CB8AC3E}">
-        <p14:creationId xmlns:p14="http://schemas.microsoft.com/office/powerpoint/2010/main" val="1839403180"/>
-      </p:ext>
-    </p:extLst>
-  </p:cSld>
-  <p:clrMapOvr>
-    <a:masterClrMapping/>
-  </p:clrMapOvr>
-</p:sld>
-</file>
-
-<file path=ppt/slides/slide30.xml><?xml version="1.0" encoding="utf-8"?>
-<p:sld xmlns:a="http://schemas.openxmlformats.org/drawingml/2006/main" xmlns:r="http://schemas.openxmlformats.org/officeDocument/2006/relationships" xmlns:p="http://schemas.openxmlformats.org/presentationml/2006/main">
-  <p:cSld>
-    <p:spTree>
-      <p:nvGrpSpPr>
-        <p:cNvPr id="1" name=""/>
-        <p:cNvGrpSpPr/>
-        <p:nvPr/>
-      </p:nvGrpSpPr>
-      <p:grpSpPr>
-        <a:xfrm>
-          <a:off x="0" y="0"/>
-          <a:ext cx="0" cy="0"/>
-          <a:chOff x="0" y="0"/>
-          <a:chExt cx="0" cy="0"/>
-        </a:xfrm>
-      </p:grpSpPr>
-      <p:sp>
-        <p:nvSpPr>
-          <p:cNvPr id="2" name="Title 1"/>
-          <p:cNvSpPr>
-            <a:spLocks noGrp="1"/>
-          </p:cNvSpPr>
-          <p:nvPr>
-            <p:ph type="title"/>
-          </p:nvPr>
-        </p:nvSpPr>
-        <p:spPr>
-          <a:xfrm>
-            <a:off x="677334" y="609600"/>
-            <a:ext cx="8596668" cy="629920"/>
-          </a:xfrm>
-        </p:spPr>
-        <p:txBody>
-          <a:bodyPr>
-            <a:normAutofit fontScale="90000"/>
-          </a:bodyPr>
-          <a:lstStyle/>
-          <a:p>
-            <a:r>
-              <a:rPr lang="en-US" dirty="0"/>
-              <a:t>Distributed Stream – Survival of the fittest</a:t>
-            </a:r>
-          </a:p>
-        </p:txBody>
-      </p:sp>
-      <p:pic>
-        <p:nvPicPr>
-          <p:cNvPr id="5" name="Content Placeholder 4"/>
-          <p:cNvPicPr>
-            <a:picLocks noGrp="1" noChangeAspect="1"/>
-          </p:cNvPicPr>
-          <p:nvPr>
-            <p:ph idx="1"/>
-          </p:nvPr>
-        </p:nvPicPr>
-        <p:blipFill>
-          <a:blip r:embed="rId2"/>
-          <a:stretch>
-            <a:fillRect/>
-          </a:stretch>
-        </p:blipFill>
-        <p:spPr>
-          <a:xfrm>
-            <a:off x="0" y="1371600"/>
-            <a:ext cx="12192000" cy="5486400"/>
-          </a:xfrm>
-        </p:spPr>
-      </p:pic>
-    </p:spTree>
-    <p:extLst>
-      <p:ext uri="{BB962C8B-B14F-4D97-AF65-F5344CB8AC3E}">
-        <p14:creationId xmlns:p14="http://schemas.microsoft.com/office/powerpoint/2010/main" val="2660789229"/>
-      </p:ext>
-    </p:extLst>
-  </p:cSld>
-  <p:clrMapOvr>
-    <a:masterClrMapping/>
-  </p:clrMapOvr>
-</p:sld>
-</file>
-
-<file path=ppt/slides/slide31.xml><?xml version="1.0" encoding="utf-8"?>
-<p:sld xmlns:a="http://schemas.openxmlformats.org/drawingml/2006/main" xmlns:r="http://schemas.openxmlformats.org/officeDocument/2006/relationships" xmlns:p="http://schemas.openxmlformats.org/presentationml/2006/main">
-  <p:cSld>
-    <p:spTree>
-      <p:nvGrpSpPr>
-        <p:cNvPr id="1" name=""/>
-        <p:cNvGrpSpPr/>
-        <p:nvPr/>
-      </p:nvGrpSpPr>
-      <p:grpSpPr>
-        <a:xfrm>
-          <a:off x="0" y="0"/>
-          <a:ext cx="0" cy="0"/>
-          <a:chOff x="0" y="0"/>
-          <a:chExt cx="0" cy="0"/>
-        </a:xfrm>
-      </p:grpSpPr>
-      <p:sp>
-        <p:nvSpPr>
-          <p:cNvPr id="2" name="Title 1"/>
-          <p:cNvSpPr>
-            <a:spLocks noGrp="1"/>
-          </p:cNvSpPr>
-          <p:nvPr>
-            <p:ph type="title"/>
-          </p:nvPr>
-        </p:nvSpPr>
-        <p:spPr>
-          <a:xfrm>
-            <a:off x="461912" y="609600"/>
-            <a:ext cx="8812090" cy="1320800"/>
-          </a:xfrm>
-        </p:spPr>
-        <p:txBody>
-          <a:bodyPr/>
-          <a:lstStyle/>
-          <a:p>
-            <a:r>
-              <a:rPr lang="en-US" dirty="0"/>
-              <a:t>Classification - </a:t>
-            </a:r>
-            <a:r>
-              <a:rPr lang="en-US" dirty="0"/>
-              <a:t>Hadoop </a:t>
-            </a:r>
-            <a:r>
-              <a:rPr lang="en-US" dirty="0" err="1"/>
-              <a:t>AllReduce</a:t>
-            </a:r>
-            <a:br>
-              <a:rPr lang="en-US" dirty="0"/>
-            </a:br>
-            <a:endParaRPr lang="en-US" dirty="0"/>
-          </a:p>
-        </p:txBody>
-      </p:sp>
-      <p:sp>
-        <p:nvSpPr>
-          <p:cNvPr id="3" name="Content Placeholder 2"/>
-          <p:cNvSpPr>
-            <a:spLocks noGrp="1"/>
-          </p:cNvSpPr>
-          <p:nvPr>
-            <p:ph idx="1"/>
-          </p:nvPr>
-        </p:nvSpPr>
-        <p:spPr>
-          <a:xfrm>
-            <a:off x="461912" y="1781666"/>
-            <a:ext cx="11730087" cy="5076333"/>
-          </a:xfrm>
-        </p:spPr>
-        <p:txBody>
-          <a:bodyPr>
-            <a:normAutofit/>
-          </a:bodyPr>
-          <a:lstStyle/>
-          <a:p>
-            <a:endParaRPr lang="en-US" dirty="0"/>
-          </a:p>
-          <a:p>
-            <a:r>
-              <a:rPr lang="en-US" dirty="0"/>
-              <a:t>MPI </a:t>
-            </a:r>
-            <a:r>
-              <a:rPr lang="en-US" dirty="0" err="1"/>
-              <a:t>AllReduce</a:t>
-            </a:r>
-            <a:r>
-              <a:rPr lang="en-US" dirty="0"/>
-              <a:t> on MapReduce</a:t>
-            </a:r>
-          </a:p>
-          <a:p>
-            <a:r>
-              <a:rPr lang="en-US" dirty="0"/>
-              <a:t>Parallel SGD + L-BFGS</a:t>
-            </a:r>
-          </a:p>
-          <a:p>
-            <a:r>
-              <a:rPr lang="en-US" dirty="0"/>
-              <a:t>Aggregate + Redistribute</a:t>
-            </a:r>
-          </a:p>
-          <a:p>
-            <a:r>
-              <a:rPr lang="en-US" dirty="0"/>
-              <a:t>Each node computes partial gradient</a:t>
-            </a:r>
-          </a:p>
-          <a:p>
-            <a:r>
-              <a:rPr lang="en-US" dirty="0"/>
-              <a:t>Aggregate (sum) complete gradient</a:t>
-            </a:r>
-          </a:p>
-          <a:p>
-            <a:r>
-              <a:rPr lang="en-US" dirty="0"/>
-              <a:t>Each node gets updated model</a:t>
-            </a:r>
-          </a:p>
-          <a:p>
-            <a:pPr marL="0" indent="0">
-              <a:buNone/>
-            </a:pPr>
-            <a:endParaRPr lang="en-US" dirty="0"/>
-          </a:p>
-          <a:p>
-            <a:endParaRPr lang="en-US" dirty="0"/>
-          </a:p>
-          <a:p>
-            <a:endParaRPr lang="en-US" dirty="0"/>
-          </a:p>
-          <a:p>
-            <a:endParaRPr lang="en-US" dirty="0"/>
-          </a:p>
-          <a:p>
-            <a:endParaRPr lang="en-US" dirty="0"/>
-          </a:p>
-          <a:p>
-            <a:endParaRPr lang="en-US" dirty="0"/>
-          </a:p>
-        </p:txBody>
-      </p:sp>
-    </p:spTree>
-    <p:extLst>
-      <p:ext uri="{BB962C8B-B14F-4D97-AF65-F5344CB8AC3E}">
-        <p14:creationId xmlns:p14="http://schemas.microsoft.com/office/powerpoint/2010/main" val="2209060227"/>
-      </p:ext>
-    </p:extLst>
-  </p:cSld>
-  <p:clrMapOvr>
-    <a:masterClrMapping/>
-  </p:clrMapOvr>
-</p:sld>
-</file>
-
-<file path=ppt/slides/slide32.xml><?xml version="1.0" encoding="utf-8"?>
-<p:sld xmlns:a="http://schemas.openxmlformats.org/drawingml/2006/main" xmlns:r="http://schemas.openxmlformats.org/officeDocument/2006/relationships" xmlns:p="http://schemas.openxmlformats.org/presentationml/2006/main">
-  <p:cSld>
-    <p:spTree>
-      <p:nvGrpSpPr>
-        <p:cNvPr id="1" name=""/>
-        <p:cNvGrpSpPr/>
-        <p:nvPr/>
-      </p:nvGrpSpPr>
-      <p:grpSpPr>
-        <a:xfrm>
-          <a:off x="0" y="0"/>
-          <a:ext cx="0" cy="0"/>
-          <a:chOff x="0" y="0"/>
-          <a:chExt cx="0" cy="0"/>
-        </a:xfrm>
-      </p:grpSpPr>
-      <p:sp>
-        <p:nvSpPr>
-          <p:cNvPr id="2" name="Title 1"/>
-          <p:cNvSpPr>
-            <a:spLocks noGrp="1"/>
-          </p:cNvSpPr>
-          <p:nvPr>
-            <p:ph type="title"/>
-          </p:nvPr>
-        </p:nvSpPr>
-        <p:spPr>
-          <a:xfrm>
-            <a:off x="273377" y="609600"/>
-            <a:ext cx="9000625" cy="691299"/>
-          </a:xfrm>
-        </p:spPr>
-        <p:txBody>
-          <a:bodyPr/>
-          <a:lstStyle/>
-          <a:p>
-            <a:r>
-              <a:rPr lang="en-US" dirty="0"/>
-              <a:t>Classification - Parallel Decision Trees</a:t>
-            </a:r>
-            <a:endParaRPr lang="en-US" dirty="0"/>
-          </a:p>
-        </p:txBody>
-      </p:sp>
-      <p:sp>
-        <p:nvSpPr>
-          <p:cNvPr id="3" name="Content Placeholder 2"/>
-          <p:cNvSpPr>
-            <a:spLocks noGrp="1"/>
-          </p:cNvSpPr>
-          <p:nvPr>
-            <p:ph idx="1"/>
-          </p:nvPr>
-        </p:nvSpPr>
-        <p:spPr>
-          <a:xfrm>
-            <a:off x="273377" y="1621411"/>
-            <a:ext cx="9662475" cy="5236590"/>
-          </a:xfrm>
-        </p:spPr>
-        <p:txBody>
-          <a:bodyPr>
-            <a:normAutofit/>
-          </a:bodyPr>
-          <a:lstStyle/>
-          <a:p>
-            <a:r>
-              <a:rPr lang="en-US" dirty="0"/>
-              <a:t>Quickly construct histograms at the processors, which compress the data to a fixed amount of memory, discover, and show, the underlying frequency distribution (shape) of a set of continuous data.</a:t>
-            </a:r>
-          </a:p>
-          <a:p>
-            <a:r>
-              <a:rPr lang="en-US" dirty="0"/>
-              <a:t>A master processor uses this information to find near-optimal split points to terminal tree nodes. </a:t>
-            </a:r>
-          </a:p>
-          <a:p>
-            <a:r>
-              <a:rPr lang="en-US" dirty="0"/>
-              <a:t>Guarantees on the local accuracy of split points imply guarantees on the overall tree accuracy.</a:t>
-            </a:r>
-          </a:p>
-          <a:p>
-            <a:pPr marL="400050" lvl="1" indent="0">
-              <a:buNone/>
-            </a:pPr>
-            <a:r>
-              <a:rPr lang="en-US" dirty="0"/>
-              <a:t>• Which kind of parallelism?</a:t>
-            </a:r>
-          </a:p>
-          <a:p>
-            <a:pPr marL="400050" lvl="1" indent="0">
-              <a:buNone/>
-            </a:pPr>
-            <a:r>
-              <a:rPr lang="en-US" dirty="0"/>
-              <a:t>• Task</a:t>
-            </a:r>
-          </a:p>
-          <a:p>
-            <a:pPr marL="400050" lvl="1" indent="0">
-              <a:buNone/>
-            </a:pPr>
-            <a:r>
-              <a:rPr lang="en-US" dirty="0"/>
-              <a:t>• Data</a:t>
-            </a:r>
-          </a:p>
-          <a:p>
-            <a:pPr marL="400050" lvl="1" indent="0">
-              <a:buNone/>
-            </a:pPr>
-            <a:r>
-              <a:rPr lang="en-US" dirty="0"/>
-              <a:t>• Horizontal</a:t>
-            </a:r>
-          </a:p>
-          <a:p>
-            <a:pPr marL="400050" lvl="1" indent="0">
-              <a:buNone/>
-            </a:pPr>
-            <a:r>
-              <a:rPr lang="en-US" dirty="0"/>
-              <a:t>• Vertical</a:t>
-            </a:r>
-          </a:p>
-          <a:p>
-            <a:endParaRPr lang="en-US" dirty="0"/>
-          </a:p>
-        </p:txBody>
-      </p:sp>
-    </p:spTree>
-    <p:extLst>
-      <p:ext uri="{BB962C8B-B14F-4D97-AF65-F5344CB8AC3E}">
-        <p14:creationId xmlns:p14="http://schemas.microsoft.com/office/powerpoint/2010/main" val="1648512434"/>
-      </p:ext>
-    </p:extLst>
-  </p:cSld>
-  <p:clrMapOvr>
-    <a:masterClrMapping/>
-  </p:clrMapOvr>
-</p:sld>
-</file>
-
-<file path=ppt/slides/slide33.xml><?xml version="1.0" encoding="utf-8"?>
-<p:sld xmlns:a="http://schemas.openxmlformats.org/drawingml/2006/main" xmlns:r="http://schemas.openxmlformats.org/officeDocument/2006/relationships" xmlns:p="http://schemas.openxmlformats.org/presentationml/2006/main">
-  <p:cSld>
-    <p:spTree>
-      <p:nvGrpSpPr>
-        <p:cNvPr id="1" name=""/>
-        <p:cNvGrpSpPr/>
-        <p:nvPr/>
-      </p:nvGrpSpPr>
-      <p:grpSpPr>
-        <a:xfrm>
-          <a:off x="0" y="0"/>
-          <a:ext cx="0" cy="0"/>
-          <a:chOff x="0" y="0"/>
-          <a:chExt cx="0" cy="0"/>
-        </a:xfrm>
-      </p:grpSpPr>
-      <p:sp>
-        <p:nvSpPr>
-          <p:cNvPr id="2" name="Title 1"/>
-          <p:cNvSpPr>
-            <a:spLocks noGrp="1"/>
-          </p:cNvSpPr>
-          <p:nvPr>
-            <p:ph type="title"/>
-          </p:nvPr>
-        </p:nvSpPr>
-        <p:spPr>
-          <a:xfrm>
-            <a:off x="677334" y="609600"/>
-            <a:ext cx="8596668" cy="578177"/>
-          </a:xfrm>
-        </p:spPr>
-        <p:txBody>
-          <a:bodyPr>
-            <a:normAutofit fontScale="90000"/>
-          </a:bodyPr>
-          <a:lstStyle/>
-          <a:p>
-            <a:r>
-              <a:rPr lang="en-US" dirty="0"/>
-              <a:t>Classification - </a:t>
-            </a:r>
-            <a:r>
-              <a:rPr lang="en-US" dirty="0"/>
-              <a:t>Parallel Decision Trees</a:t>
-            </a:r>
-            <a:br>
-              <a:rPr lang="en-US" dirty="0"/>
-            </a:br>
-            <a:endParaRPr lang="en-US" dirty="0"/>
-          </a:p>
-        </p:txBody>
-      </p:sp>
-      <p:sp>
-        <p:nvSpPr>
-          <p:cNvPr id="3" name="Content Placeholder 2"/>
-          <p:cNvSpPr>
-            <a:spLocks noGrp="1"/>
-          </p:cNvSpPr>
-          <p:nvPr>
-            <p:ph idx="1"/>
-          </p:nvPr>
-        </p:nvSpPr>
-        <p:spPr>
-          <a:xfrm>
-            <a:off x="0" y="1187777"/>
-            <a:ext cx="12192000" cy="5670223"/>
-          </a:xfrm>
-        </p:spPr>
-        <p:txBody>
-          <a:bodyPr/>
-          <a:lstStyle/>
-          <a:p>
-            <a:r>
-              <a:rPr lang="en-US" dirty="0"/>
-              <a:t>Horizontal Partitioning</a:t>
-            </a:r>
-          </a:p>
-          <a:p>
-            <a:pPr marL="0" indent="0">
-              <a:buNone/>
-            </a:pPr>
-            <a:endParaRPr lang="en-US" dirty="0"/>
-          </a:p>
-          <a:p>
-            <a:endParaRPr lang="en-US" dirty="0"/>
-          </a:p>
-          <a:p>
-            <a:endParaRPr lang="en-US" dirty="0"/>
-          </a:p>
-          <a:p>
-            <a:endParaRPr lang="en-US" dirty="0"/>
-          </a:p>
-          <a:p>
-            <a:endParaRPr lang="en-US" dirty="0"/>
-          </a:p>
-          <a:p>
-            <a:endParaRPr lang="en-US" dirty="0"/>
-          </a:p>
-          <a:p>
-            <a:r>
-              <a:rPr lang="en-US" dirty="0"/>
-              <a:t>Vertical Partitioning</a:t>
-            </a:r>
-          </a:p>
-          <a:p>
-            <a:endParaRPr lang="en-US" dirty="0"/>
-          </a:p>
-          <a:p>
-            <a:endParaRPr lang="en-US" dirty="0"/>
-          </a:p>
-          <a:p>
-            <a:endParaRPr lang="en-US" dirty="0"/>
-          </a:p>
-          <a:p>
-            <a:endParaRPr lang="en-US" dirty="0"/>
-          </a:p>
-          <a:p>
-            <a:endParaRPr lang="en-US" dirty="0"/>
-          </a:p>
-        </p:txBody>
-      </p:sp>
-      <p:pic>
-        <p:nvPicPr>
-          <p:cNvPr id="4" name="Picture 3"/>
-          <p:cNvPicPr>
-            <a:picLocks noChangeAspect="1"/>
-          </p:cNvPicPr>
-          <p:nvPr/>
-        </p:nvPicPr>
-        <p:blipFill>
-          <a:blip r:embed="rId2"/>
-          <a:stretch>
-            <a:fillRect/>
-          </a:stretch>
-        </p:blipFill>
-        <p:spPr>
-          <a:xfrm>
-            <a:off x="677333" y="1579785"/>
-            <a:ext cx="7260035" cy="2492594"/>
-          </a:xfrm>
-          <a:prstGeom prst="rect">
-            <a:avLst/>
-          </a:prstGeom>
-        </p:spPr>
-      </p:pic>
-      <p:pic>
-        <p:nvPicPr>
-          <p:cNvPr id="5" name="Picture 4"/>
-          <p:cNvPicPr>
-            <a:picLocks noChangeAspect="1"/>
-          </p:cNvPicPr>
-          <p:nvPr/>
-        </p:nvPicPr>
-        <p:blipFill>
-          <a:blip r:embed="rId3"/>
-          <a:stretch>
-            <a:fillRect/>
-          </a:stretch>
-        </p:blipFill>
-        <p:spPr>
-          <a:xfrm>
-            <a:off x="1046374" y="4391676"/>
-            <a:ext cx="5872899" cy="2395936"/>
-          </a:xfrm>
-          <a:prstGeom prst="rect">
-            <a:avLst/>
-          </a:prstGeom>
-        </p:spPr>
-      </p:pic>
-    </p:spTree>
-    <p:extLst>
-      <p:ext uri="{BB962C8B-B14F-4D97-AF65-F5344CB8AC3E}">
-        <p14:creationId xmlns:p14="http://schemas.microsoft.com/office/powerpoint/2010/main" val="1754824442"/>
-      </p:ext>
-    </p:extLst>
-  </p:cSld>
-  <p:clrMapOvr>
-    <a:masterClrMapping/>
-  </p:clrMapOvr>
-</p:sld>
-</file>
-
-<file path=ppt/slides/slide34.xml><?xml version="1.0" encoding="utf-8"?>
-<p:sld xmlns:a="http://schemas.openxmlformats.org/drawingml/2006/main" xmlns:r="http://schemas.openxmlformats.org/officeDocument/2006/relationships" xmlns:p="http://schemas.openxmlformats.org/presentationml/2006/main">
-  <p:cSld>
-    <p:spTree>
-      <p:nvGrpSpPr>
-        <p:cNvPr id="1" name=""/>
-        <p:cNvGrpSpPr/>
-        <p:nvPr/>
-      </p:nvGrpSpPr>
-      <p:grpSpPr>
-        <a:xfrm>
-          <a:off x="0" y="0"/>
-          <a:ext cx="0" cy="0"/>
-          <a:chOff x="0" y="0"/>
-          <a:chExt cx="0" cy="0"/>
-        </a:xfrm>
-      </p:grpSpPr>
-      <p:sp>
-        <p:nvSpPr>
-          <p:cNvPr id="2" name="Title 1"/>
-          <p:cNvSpPr>
-            <a:spLocks noGrp="1"/>
-          </p:cNvSpPr>
-          <p:nvPr>
-            <p:ph type="title"/>
-          </p:nvPr>
-        </p:nvSpPr>
-        <p:spPr/>
-        <p:txBody>
-          <a:bodyPr/>
-          <a:lstStyle/>
-          <a:p>
-            <a:r>
-              <a:rPr lang="en-US" dirty="0"/>
-              <a:t>Regression - VAMR</a:t>
-            </a:r>
-            <a:br>
-              <a:rPr lang="en-US" dirty="0"/>
-            </a:br>
-            <a:endParaRPr lang="en-US" dirty="0"/>
-          </a:p>
-        </p:txBody>
-      </p:sp>
-      <p:sp>
-        <p:nvSpPr>
-          <p:cNvPr id="3" name="Content Placeholder 2"/>
-          <p:cNvSpPr>
-            <a:spLocks noGrp="1"/>
-          </p:cNvSpPr>
-          <p:nvPr>
-            <p:ph idx="1"/>
-          </p:nvPr>
-        </p:nvSpPr>
-        <p:spPr>
-          <a:xfrm>
-            <a:off x="677334" y="1649691"/>
-            <a:ext cx="8596668" cy="4391671"/>
-          </a:xfrm>
-        </p:spPr>
-        <p:txBody>
-          <a:bodyPr/>
-          <a:lstStyle/>
-          <a:p>
-            <a:r>
-              <a:rPr lang="en-US" dirty="0"/>
-              <a:t>Vertical </a:t>
-            </a:r>
-            <a:r>
-              <a:rPr lang="en-US" dirty="0" err="1"/>
-              <a:t>AMRules</a:t>
-            </a:r>
-            <a:endParaRPr lang="en-US" dirty="0"/>
-          </a:p>
-          <a:p>
-            <a:r>
-              <a:rPr lang="en-US" dirty="0"/>
-              <a:t>Model: rule body + head</a:t>
-            </a:r>
-          </a:p>
-          <a:p>
-            <a:pPr marL="0" indent="0">
-              <a:buNone/>
-            </a:pPr>
-            <a:r>
-              <a:rPr lang="en-US" dirty="0"/>
-              <a:t>    • </a:t>
-            </a:r>
-            <a:r>
-              <a:rPr lang="en-US" dirty="0"/>
-              <a:t>Target mean updated continuously</a:t>
-            </a:r>
-          </a:p>
-          <a:p>
-            <a:pPr marL="0" indent="0">
-              <a:buNone/>
-            </a:pPr>
-            <a:r>
-              <a:rPr lang="en-US" dirty="0"/>
-              <a:t>       with covered instances for predictions</a:t>
-            </a:r>
-          </a:p>
-          <a:p>
-            <a:pPr marL="0" indent="0">
-              <a:buNone/>
-            </a:pPr>
-            <a:r>
-              <a:rPr lang="en-US" dirty="0"/>
-              <a:t>    • Default rule (creates new rules)</a:t>
-            </a:r>
-          </a:p>
-          <a:p>
-            <a:r>
-              <a:rPr lang="en-US" dirty="0"/>
-              <a:t>Learner: statistics</a:t>
-            </a:r>
-          </a:p>
-          <a:p>
-            <a:pPr marL="0" indent="0">
-              <a:buNone/>
-            </a:pPr>
-            <a:r>
-              <a:rPr lang="en-US" dirty="0"/>
-              <a:t>     • Vertical: Learner tracks statistics of</a:t>
-            </a:r>
-          </a:p>
-          <a:p>
-            <a:pPr marL="0" indent="0">
-              <a:buNone/>
-            </a:pPr>
-            <a:r>
-              <a:rPr lang="en-US" dirty="0"/>
-              <a:t>        independent subset of rules</a:t>
-            </a:r>
-          </a:p>
-          <a:p>
-            <a:pPr marL="0" indent="0">
-              <a:buNone/>
-            </a:pPr>
-            <a:r>
-              <a:rPr lang="en-US" dirty="0"/>
-              <a:t>     • One rule tracked by only one Learner</a:t>
-            </a:r>
-          </a:p>
-          <a:p>
-            <a:pPr marL="0" indent="0">
-              <a:buNone/>
-            </a:pPr>
-            <a:r>
-              <a:rPr lang="en-US" dirty="0"/>
-              <a:t>     • Model -&gt; Learner: key grouping on rule ID</a:t>
-            </a:r>
-            <a:endParaRPr lang="en-US" dirty="0"/>
-          </a:p>
-        </p:txBody>
-      </p:sp>
-      <p:pic>
-        <p:nvPicPr>
-          <p:cNvPr id="5" name="Picture 4"/>
-          <p:cNvPicPr>
-            <a:picLocks noChangeAspect="1"/>
-          </p:cNvPicPr>
-          <p:nvPr/>
-        </p:nvPicPr>
-        <p:blipFill>
-          <a:blip r:embed="rId2"/>
-          <a:stretch>
-            <a:fillRect/>
-          </a:stretch>
-        </p:blipFill>
-        <p:spPr>
-          <a:xfrm>
-            <a:off x="5627802" y="2054790"/>
-            <a:ext cx="4375922" cy="3485909"/>
-          </a:xfrm>
-          <a:prstGeom prst="rect">
-            <a:avLst/>
-          </a:prstGeom>
-        </p:spPr>
-      </p:pic>
-    </p:spTree>
-    <p:extLst>
-      <p:ext uri="{BB962C8B-B14F-4D97-AF65-F5344CB8AC3E}">
-        <p14:creationId xmlns:p14="http://schemas.microsoft.com/office/powerpoint/2010/main" val="3028335426"/>
-      </p:ext>
-    </p:extLst>
-  </p:cSld>
-  <p:clrMapOvr>
-    <a:masterClrMapping/>
-  </p:clrMapOvr>
-</p:sld>
-</file>
-
-<file path=ppt/slides/slide35.xml><?xml version="1.0" encoding="utf-8"?>
-<p:sld xmlns:a="http://schemas.openxmlformats.org/drawingml/2006/main" xmlns:r="http://schemas.openxmlformats.org/officeDocument/2006/relationships" xmlns:p="http://schemas.openxmlformats.org/presentationml/2006/main">
-  <p:cSld>
-    <p:spTree>
-      <p:nvGrpSpPr>
-        <p:cNvPr id="1" name=""/>
-        <p:cNvGrpSpPr/>
-        <p:nvPr/>
-      </p:nvGrpSpPr>
-      <p:grpSpPr>
-        <a:xfrm>
-          <a:off x="0" y="0"/>
-          <a:ext cx="0" cy="0"/>
-          <a:chOff x="0" y="0"/>
-          <a:chExt cx="0" cy="0"/>
-        </a:xfrm>
-      </p:grpSpPr>
-      <p:sp>
-        <p:nvSpPr>
-          <p:cNvPr id="2" name="Title 1"/>
-          <p:cNvSpPr>
-            <a:spLocks noGrp="1"/>
-          </p:cNvSpPr>
-          <p:nvPr>
-            <p:ph type="title"/>
-          </p:nvPr>
-        </p:nvSpPr>
-        <p:spPr/>
-        <p:txBody>
-          <a:bodyPr/>
-          <a:lstStyle/>
-          <a:p>
-            <a:r>
-              <a:rPr lang="en-US" dirty="0"/>
-              <a:t>Regression - HAMR</a:t>
-            </a:r>
-            <a:br>
-              <a:rPr lang="en-US" dirty="0"/>
-            </a:br>
-            <a:endParaRPr lang="en-US" dirty="0"/>
-          </a:p>
-        </p:txBody>
-      </p:sp>
-      <p:sp>
-        <p:nvSpPr>
-          <p:cNvPr id="3" name="Content Placeholder 2"/>
-          <p:cNvSpPr>
-            <a:spLocks noGrp="1"/>
-          </p:cNvSpPr>
-          <p:nvPr>
-            <p:ph idx="1"/>
-          </p:nvPr>
-        </p:nvSpPr>
-        <p:spPr>
-          <a:xfrm>
-            <a:off x="0" y="1249680"/>
-            <a:ext cx="12192000" cy="5608319"/>
-          </a:xfrm>
-        </p:spPr>
-        <p:txBody>
-          <a:bodyPr/>
-          <a:lstStyle/>
-          <a:p>
-            <a:r>
-              <a:rPr lang="en-US" dirty="0"/>
-              <a:t>VAMR single model is bottleneck</a:t>
-            </a:r>
-          </a:p>
-          <a:p>
-            <a:r>
-              <a:rPr lang="en-US" dirty="0"/>
-              <a:t>Hybrid </a:t>
-            </a:r>
-            <a:r>
-              <a:rPr lang="en-US" dirty="0" err="1"/>
-              <a:t>AMRules</a:t>
-            </a:r>
-            <a:endParaRPr lang="en-US" dirty="0"/>
-          </a:p>
-          <a:p>
-            <a:pPr marL="0" indent="0">
-              <a:buNone/>
-            </a:pPr>
-            <a:r>
-              <a:rPr lang="en-US" dirty="0"/>
-              <a:t>     (Vertical + Horizontal)</a:t>
-            </a:r>
-          </a:p>
-          <a:p>
-            <a:pPr marL="0" indent="0">
-              <a:buNone/>
-            </a:pPr>
-            <a:r>
-              <a:rPr lang="en-US" dirty="0"/>
-              <a:t>     • Shuffle among multiple</a:t>
-            </a:r>
-          </a:p>
-          <a:p>
-            <a:pPr marL="0" indent="0">
-              <a:buNone/>
-            </a:pPr>
-            <a:r>
-              <a:rPr lang="en-US" dirty="0"/>
-              <a:t>       Models for parallelism</a:t>
-            </a:r>
-          </a:p>
-          <a:p>
-            <a:r>
-              <a:rPr lang="en-US" dirty="0"/>
-              <a:t>Problem: distributed default rule</a:t>
-            </a:r>
-          </a:p>
-          <a:p>
-            <a:pPr marL="0" indent="0">
-              <a:buNone/>
-            </a:pPr>
-            <a:r>
-              <a:rPr lang="en-US" dirty="0"/>
-              <a:t>     decreases performance</a:t>
-            </a:r>
-          </a:p>
-          <a:p>
-            <a:pPr marL="0" indent="0">
-              <a:buNone/>
-            </a:pPr>
-            <a:r>
-              <a:rPr lang="en-US" dirty="0"/>
-              <a:t>     • Separate dedicate Learner</a:t>
-            </a:r>
-          </a:p>
-          <a:p>
-            <a:pPr marL="0" indent="0">
-              <a:buNone/>
-            </a:pPr>
-            <a:r>
-              <a:rPr lang="en-US" dirty="0"/>
-              <a:t>        for default rule</a:t>
-            </a:r>
-            <a:endParaRPr lang="en-US" dirty="0"/>
-          </a:p>
-        </p:txBody>
-      </p:sp>
-      <p:pic>
-        <p:nvPicPr>
-          <p:cNvPr id="4" name="Picture 3"/>
-          <p:cNvPicPr>
-            <a:picLocks noChangeAspect="1"/>
-          </p:cNvPicPr>
-          <p:nvPr/>
-        </p:nvPicPr>
-        <p:blipFill>
-          <a:blip r:embed="rId2"/>
-          <a:stretch>
-            <a:fillRect/>
-          </a:stretch>
-        </p:blipFill>
-        <p:spPr>
-          <a:xfrm>
-            <a:off x="4177660" y="1371600"/>
-            <a:ext cx="5367275" cy="4714240"/>
-          </a:xfrm>
-          <a:prstGeom prst="rect">
-            <a:avLst/>
-          </a:prstGeom>
-        </p:spPr>
-      </p:pic>
-    </p:spTree>
-    <p:extLst>
-      <p:ext uri="{BB962C8B-B14F-4D97-AF65-F5344CB8AC3E}">
-        <p14:creationId xmlns:p14="http://schemas.microsoft.com/office/powerpoint/2010/main" val="3180516659"/>
-      </p:ext>
-    </p:extLst>
-  </p:cSld>
-  <p:clrMapOvr>
-    <a:masterClrMapping/>
-  </p:clrMapOvr>
-</p:sld>
-</file>
-
-<file path=ppt/slides/slide36.xml><?xml version="1.0" encoding="utf-8"?>
+<file path=ppt/slides/slide29.xml><?xml version="1.0" encoding="utf-8"?>
 <p:sld xmlns:a="http://schemas.openxmlformats.org/drawingml/2006/main" xmlns:r="http://schemas.openxmlformats.org/officeDocument/2006/relationships" xmlns:p="http://schemas.openxmlformats.org/presentationml/2006/main">
   <p:cSld>
     <p:spTree>
@@ -27123,7 +25887,157 @@
 </p:sld>
 </file>
 
-<file path=ppt/slides/slide37.xml><?xml version="1.0" encoding="utf-8"?>
+<file path=ppt/slides/slide3.xml><?xml version="1.0" encoding="utf-8"?>
+<p:sld xmlns:a="http://schemas.openxmlformats.org/drawingml/2006/main" xmlns:r="http://schemas.openxmlformats.org/officeDocument/2006/relationships" xmlns:p="http://schemas.openxmlformats.org/presentationml/2006/main">
+  <p:cSld>
+    <p:spTree>
+      <p:nvGrpSpPr>
+        <p:cNvPr id="1" name=""/>
+        <p:cNvGrpSpPr/>
+        <p:nvPr/>
+      </p:nvGrpSpPr>
+      <p:grpSpPr>
+        <a:xfrm>
+          <a:off x="0" y="0"/>
+          <a:ext cx="0" cy="0"/>
+          <a:chOff x="0" y="0"/>
+          <a:chExt cx="0" cy="0"/>
+        </a:xfrm>
+      </p:grpSpPr>
+      <p:sp>
+        <p:nvSpPr>
+          <p:cNvPr id="2" name="Title 1"/>
+          <p:cNvSpPr>
+            <a:spLocks noGrp="1"/>
+          </p:cNvSpPr>
+          <p:nvPr>
+            <p:ph type="title"/>
+          </p:nvPr>
+        </p:nvSpPr>
+        <p:spPr/>
+        <p:txBody>
+          <a:bodyPr/>
+          <a:lstStyle/>
+          <a:p>
+            <a:r>
+              <a:rPr lang="en-US" dirty="0"/>
+              <a:t>Introduction</a:t>
+            </a:r>
+          </a:p>
+        </p:txBody>
+      </p:sp>
+      <p:sp>
+        <p:nvSpPr>
+          <p:cNvPr id="3" name="Content Placeholder 2"/>
+          <p:cNvSpPr>
+            <a:spLocks noGrp="1"/>
+          </p:cNvSpPr>
+          <p:nvPr>
+            <p:ph idx="1"/>
+          </p:nvPr>
+        </p:nvSpPr>
+        <p:spPr>
+          <a:xfrm>
+            <a:off x="367645" y="1432874"/>
+            <a:ext cx="9973559" cy="5462833"/>
+          </a:xfrm>
+        </p:spPr>
+        <p:txBody>
+          <a:bodyPr>
+            <a:normAutofit/>
+          </a:bodyPr>
+          <a:lstStyle/>
+          <a:p>
+            <a:r>
+              <a:rPr lang="en-US" sz="2000" dirty="0"/>
+              <a:t>Stream mining is online analytics, deals with what is happening now</a:t>
+            </a:r>
+          </a:p>
+          <a:p>
+            <a:endParaRPr lang="en-US" sz="2000" dirty="0"/>
+          </a:p>
+          <a:p>
+            <a:r>
+              <a:rPr lang="en-US" sz="2000" dirty="0"/>
+              <a:t>Stream mining includes all we need to do with data mining: Classification, Regression, Clustering with algorithms and techniques specially designed for mining the streams</a:t>
+            </a:r>
+          </a:p>
+          <a:p>
+            <a:pPr marL="0" indent="0">
+              <a:buNone/>
+            </a:pPr>
+            <a:endParaRPr lang="en-US" dirty="0"/>
+          </a:p>
+          <a:p>
+            <a:r>
+              <a:rPr lang="en-US" sz="2000" dirty="0"/>
+              <a:t>Maintain models online</a:t>
+            </a:r>
+          </a:p>
+          <a:p>
+            <a:pPr marL="0" indent="0">
+              <a:buNone/>
+            </a:pPr>
+            <a:r>
+              <a:rPr lang="en-US" dirty="0"/>
+              <a:t>     • Incorporate data on the fly</a:t>
+            </a:r>
+          </a:p>
+          <a:p>
+            <a:pPr marL="0" indent="0">
+              <a:buNone/>
+            </a:pPr>
+            <a:r>
+              <a:rPr lang="en-US" dirty="0"/>
+              <a:t>     • Unbounded training sets</a:t>
+            </a:r>
+          </a:p>
+          <a:p>
+            <a:pPr marL="0" indent="0">
+              <a:buNone/>
+            </a:pPr>
+            <a:r>
+              <a:rPr lang="en-US" dirty="0"/>
+              <a:t>     • Detect changes and adapts</a:t>
+            </a:r>
+          </a:p>
+          <a:p>
+            <a:pPr marL="0" indent="0">
+              <a:buNone/>
+            </a:pPr>
+            <a:r>
+              <a:rPr lang="en-US" dirty="0"/>
+              <a:t>     • Dynamic models</a:t>
+            </a:r>
+          </a:p>
+          <a:p>
+            <a:endParaRPr lang="en-US" sz="2000" dirty="0"/>
+          </a:p>
+          <a:p>
+            <a:endParaRPr lang="en-US" sz="2000" dirty="0"/>
+          </a:p>
+          <a:p>
+            <a:pPr marL="0" indent="0">
+              <a:buNone/>
+            </a:pPr>
+            <a:endParaRPr lang="en-US" sz="2000" dirty="0"/>
+          </a:p>
+        </p:txBody>
+      </p:sp>
+    </p:spTree>
+    <p:extLst>
+      <p:ext uri="{BB962C8B-B14F-4D97-AF65-F5344CB8AC3E}">
+        <p14:creationId xmlns:p14="http://schemas.microsoft.com/office/powerpoint/2010/main" val="1839403180"/>
+      </p:ext>
+    </p:extLst>
+  </p:cSld>
+  <p:clrMapOvr>
+    <a:masterClrMapping/>
+  </p:clrMapOvr>
+</p:sld>
+</file>
+
+<file path=ppt/slides/slide30.xml><?xml version="1.0" encoding="utf-8"?>
 <p:sld xmlns:a="http://schemas.openxmlformats.org/drawingml/2006/main" xmlns:r="http://schemas.openxmlformats.org/officeDocument/2006/relationships" xmlns:p="http://schemas.openxmlformats.org/presentationml/2006/main">
   <p:cSld>
     <p:spTree>
@@ -27258,7 +26172,7 @@
           <a:lstStyle/>
           <a:p>
             <a:r>
-              <a:rPr lang="en-US" dirty="0"/>
+              <a:rPr lang="en-US" sz="2000" dirty="0"/>
               <a:t>Big Data Streams:</a:t>
             </a:r>
           </a:p>
@@ -27267,7 +26181,7 @@
               <a:buNone/>
             </a:pPr>
             <a:r>
-              <a:rPr lang="en-US" sz="1800" dirty="0"/>
+              <a:rPr lang="en-US" sz="2000" dirty="0"/>
               <a:t>     Volume + Velocity (+ Variety)</a:t>
             </a:r>
           </a:p>
@@ -27276,7 +26190,7 @@
               <a:buNone/>
             </a:pPr>
             <a:r>
-              <a:rPr lang="en-US" sz="1800" dirty="0"/>
+              <a:rPr lang="en-US" sz="2000" dirty="0"/>
               <a:t>     Too large for single commodity server main memory</a:t>
             </a:r>
           </a:p>
@@ -27285,12 +26199,8 @@
               <a:buNone/>
             </a:pPr>
             <a:r>
-              <a:rPr lang="en-US" dirty="0"/>
-              <a:t>     </a:t>
-            </a:r>
-            <a:r>
-              <a:rPr lang="en-US" sz="1800" dirty="0"/>
-              <a:t>Too fast for single commodity server CPU</a:t>
+              <a:rPr lang="en-US" sz="2000" dirty="0"/>
+              <a:t>     Too fast for single commodity server CPU</a:t>
             </a:r>
           </a:p>
           <a:p>
@@ -27298,12 +26208,8 @@
               <a:buNone/>
             </a:pPr>
             <a:r>
-              <a:rPr lang="en-US" dirty="0"/>
-              <a:t>     </a:t>
-            </a:r>
-            <a:r>
-              <a:rPr lang="en-US" sz="1800" dirty="0"/>
-              <a:t>A solution needs to be distributed and scalable</a:t>
+              <a:rPr lang="en-US" sz="2000" dirty="0"/>
+              <a:t>     A solution needs to be distributed and scalable</a:t>
             </a:r>
           </a:p>
           <a:p>
@@ -27311,38 +26217,38 @@
               <a:buNone/>
             </a:pPr>
             <a:r>
-              <a:rPr lang="en-US" dirty="0"/>
+              <a:rPr lang="en-US" sz="2000" dirty="0"/>
               <a:t>      </a:t>
             </a:r>
           </a:p>
           <a:p>
             <a:r>
-              <a:rPr lang="en-US" dirty="0"/>
+              <a:rPr lang="en-US" sz="2000" dirty="0"/>
               <a:t>There are two types of data streams : Normal Stream and Distributed Stream</a:t>
             </a:r>
           </a:p>
           <a:p>
-            <a:endParaRPr lang="en-US" dirty="0"/>
-          </a:p>
-          <a:p>
-            <a:r>
-              <a:rPr lang="en-US" dirty="0"/>
+            <a:endParaRPr lang="en-US" sz="2000" dirty="0"/>
+          </a:p>
+          <a:p>
+            <a:r>
+              <a:rPr lang="en-US" sz="2000" dirty="0"/>
               <a:t>There are a number of technologies in the market for stream mining : which includes but not limited to </a:t>
             </a:r>
             <a:r>
-              <a:rPr lang="en-US" dirty="0" err="1"/>
+              <a:rPr lang="en-US" sz="2000" dirty="0" err="1"/>
               <a:t>Samza</a:t>
             </a:r>
             <a:r>
-              <a:rPr lang="en-US" dirty="0"/>
+              <a:rPr lang="en-US" sz="2000" dirty="0"/>
               <a:t>, S4, Storm, Spark, </a:t>
             </a:r>
             <a:r>
-              <a:rPr lang="en-US" dirty="0" err="1"/>
+              <a:rPr lang="en-US" sz="2000" dirty="0" err="1"/>
               <a:t>Flink</a:t>
             </a:r>
             <a:r>
-              <a:rPr lang="en-US" dirty="0"/>
+              <a:rPr lang="en-US" sz="2000" dirty="0"/>
               <a:t> (still in its early stages)</a:t>
             </a:r>
           </a:p>
@@ -27487,7 +26393,6 @@
               <a:rPr lang="en-US" dirty="0"/>
               <a:t>Twitter updates</a:t>
             </a:r>
-            <a:endParaRPr lang="en-US" dirty="0"/>
           </a:p>
         </p:txBody>
       </p:sp>
@@ -27561,8 +26466,8 @@
         </p:blipFill>
         <p:spPr>
           <a:xfrm>
-            <a:off x="254524" y="1442301"/>
-            <a:ext cx="9568205" cy="5415699"/>
+            <a:off x="0" y="1442301"/>
+            <a:ext cx="9822729" cy="5415699"/>
           </a:xfrm>
           <a:prstGeom prst="rect">
             <a:avLst/>
